--- a/SamplePresentation.pptx
+++ b/SamplePresentation.pptx
@@ -32914,7 +32914,11 @@
           <a:bodyPr/>
           <a:lstStyle/>
           <a:p>
-            <a:endParaRPr lang="en-150"/>
+            <a:r>
+              <a:rPr lang="en-US" dirty="0"/>
+              <a:t>STAGE HITLAB</a:t>
+            </a:r>
+            <a:endParaRPr lang="en-150" dirty="0"/>
           </a:p>
         </p:txBody>
       </p:sp>
@@ -34626,6 +34630,25 @@
 </file>
 
 <file path=customXml/item2.xml><?xml version="1.0" encoding="utf-8"?>
+<p:properties xmlns:p="http://schemas.microsoft.com/office/2006/metadata/properties" xmlns:xsi="http://www.w3.org/2001/XMLSchema-instance" xmlns:pc="http://schemas.microsoft.com/office/infopath/2007/PartnerControls">
+  <documentManagement>
+    <SharedWithUsers xmlns="f0452390-5f05-4e43-b8a3-77d3a1d17756">
+      <UserInfo>
+        <DisplayName>D'Haese Thibault</DisplayName>
+        <AccountId>68</AccountId>
+        <AccountType/>
+      </UserInfo>
+      <UserInfo>
+        <DisplayName>d'Hooge Arthur</DisplayName>
+        <AccountId>69</AccountId>
+        <AccountType/>
+      </UserInfo>
+    </SharedWithUsers>
+  </documentManagement>
+</p:properties>
+</file>
+
+<file path=customXml/item3.xml><?xml version="1.0" encoding="utf-8"?>
 <ct:contentTypeSchema xmlns:ct="http://schemas.microsoft.com/office/2006/metadata/contentType" xmlns:ma="http://schemas.microsoft.com/office/2006/metadata/properties/metaAttributes" ct:_="" ma:_="" ma:contentTypeName="Document" ma:contentTypeID="0x0101009349BFF63BB22442B7C71C34B7B6171E" ma:contentTypeVersion="13" ma:contentTypeDescription="Een nieuw document maken." ma:contentTypeScope="" ma:versionID="985ce3a06adba751b7d970e638d67e5b">
   <xsd:schema xmlns:xsd="http://www.w3.org/2001/XMLSchema" xmlns:xs="http://www.w3.org/2001/XMLSchema" xmlns:p="http://schemas.microsoft.com/office/2006/metadata/properties" xmlns:ns2="61aa194f-c50a-4271-9d2a-77f837884740" xmlns:ns3="f0452390-5f05-4e43-b8a3-77d3a1d17756" targetNamespace="http://schemas.microsoft.com/office/2006/metadata/properties" ma:root="true" ma:fieldsID="29169d66db14057551a23f091d9315d5" ns2:_="" ns3:_="">
     <xsd:import namespace="61aa194f-c50a-4271-9d2a-77f837884740"/>
@@ -34848,25 +34871,6 @@
 </ct:contentTypeSchema>
 </file>
 
-<file path=customXml/item3.xml><?xml version="1.0" encoding="utf-8"?>
-<p:properties xmlns:p="http://schemas.microsoft.com/office/2006/metadata/properties" xmlns:xsi="http://www.w3.org/2001/XMLSchema-instance" xmlns:pc="http://schemas.microsoft.com/office/infopath/2007/PartnerControls">
-  <documentManagement>
-    <SharedWithUsers xmlns="f0452390-5f05-4e43-b8a3-77d3a1d17756">
-      <UserInfo>
-        <DisplayName>D'Haese Thibault</DisplayName>
-        <AccountId>68</AccountId>
-        <AccountType/>
-      </UserInfo>
-      <UserInfo>
-        <DisplayName>d'Hooge Arthur</DisplayName>
-        <AccountId>69</AccountId>
-        <AccountType/>
-      </UserInfo>
-    </SharedWithUsers>
-  </documentManagement>
-</p:properties>
-</file>
-
 <file path=customXml/itemProps1.xml><?xml version="1.0" encoding="utf-8"?>
 <ds:datastoreItem xmlns:ds="http://schemas.openxmlformats.org/officeDocument/2006/customXml" ds:itemID="{BB0D9D16-D0D6-4B2D-96E3-265FDFCDC062}">
   <ds:schemaRefs>
@@ -34876,6 +34880,16 @@
 </file>
 
 <file path=customXml/itemProps2.xml><?xml version="1.0" encoding="utf-8"?>
+<ds:datastoreItem xmlns:ds="http://schemas.openxmlformats.org/officeDocument/2006/customXml" ds:itemID="{8D796D07-A34E-42F3-A978-EB7DBCBACF71}">
+  <ds:schemaRefs>
+    <ds:schemaRef ds:uri="f0452390-5f05-4e43-b8a3-77d3a1d17756"/>
+    <ds:schemaRef ds:uri="http://schemas.microsoft.com/office/2006/metadata/properties"/>
+    <ds:schemaRef ds:uri="http://schemas.microsoft.com/office/infopath/2007/PartnerControls"/>
+  </ds:schemaRefs>
+</ds:datastoreItem>
+</file>
+
+<file path=customXml/itemProps3.xml><?xml version="1.0" encoding="utf-8"?>
 <ds:datastoreItem xmlns:ds="http://schemas.openxmlformats.org/officeDocument/2006/customXml" ds:itemID="{B3AFB3D1-D24B-4674-B90D-DBE737AEAD32}">
   <ds:schemaRefs>
     <ds:schemaRef ds:uri="61aa194f-c50a-4271-9d2a-77f837884740"/>
@@ -34892,14 +34906,4 @@
     <ds:schemaRef ds:uri="http://www.w3.org/2001/XMLSchema"/>
   </ds:schemaRefs>
 </ds:datastoreItem>
-</file>
-
-<file path=customXml/itemProps3.xml><?xml version="1.0" encoding="utf-8"?>
-<ds:datastoreItem xmlns:ds="http://schemas.openxmlformats.org/officeDocument/2006/customXml" ds:itemID="{8D796D07-A34E-42F3-A978-EB7DBCBACF71}">
-  <ds:schemaRefs>
-    <ds:schemaRef ds:uri="f0452390-5f05-4e43-b8a3-77d3a1d17756"/>
-    <ds:schemaRef ds:uri="http://schemas.microsoft.com/office/2006/metadata/properties"/>
-    <ds:schemaRef ds:uri="http://schemas.microsoft.com/office/infopath/2007/PartnerControls"/>
-  </ds:schemaRefs>
-</ds:datastoreItem>
 </file>